--- a/Docs/INSPECCIÓN 3/16052024 - 9. Retrospectiva del Sprint 1.pptx
+++ b/Docs/INSPECCIÓN 3/16052024 - 9. Retrospectiva del Sprint 1.pptx
@@ -271,7 +271,7 @@
       </p15:sldGuideLst>
     </p:ext>
     <p:ext uri="GoogleSlidesCustomDataVersion2">
-      <go:slidesCustomData xmlns:go="http://customooxmlschemas.google.com/" r:id="rId16" roundtripDataSignature="AMtx7mhVsRMuJGFU/t+/EbfWDa/BaGW9oA=="/>
+      <go:slidesCustomData xmlns:go="http://customooxmlschemas.google.com/" r:id="rId16" roundtripDataSignature="AMtx7mjRmIVpkmM0x/DgMafqvN0o2mFGIQ=="/>
     </p:ext>
   </p:extLst>
 </p:presentation>
@@ -18543,7 +18543,7 @@
         </p:nvSpPr>
         <p:spPr>
           <a:xfrm>
-            <a:off x="480850" y="1253275"/>
+            <a:off x="426950" y="121500"/>
             <a:ext cx="7932300" cy="954300"/>
           </a:xfrm>
           <a:prstGeom prst="rect">
@@ -18601,8 +18601,8 @@
         </p:nvSpPr>
         <p:spPr>
           <a:xfrm>
-            <a:off x="547300" y="2365750"/>
-            <a:ext cx="7427100" cy="1262100"/>
+            <a:off x="287450" y="1075800"/>
+            <a:ext cx="8211300" cy="4249800"/>
           </a:xfrm>
           <a:prstGeom prst="rect">
             <a:avLst/>
@@ -18618,29 +18618,41 @@
           </a:bodyPr>
           <a:lstStyle/>
           <a:p>
-            <a:pPr indent="0" lvl="0" marL="0" rtl="0" algn="l">
-              <a:spcBef>
-                <a:spcPts val="0"/>
-              </a:spcBef>
-              <a:spcAft>
-                <a:spcPts val="0"/>
-              </a:spcAft>
-              <a:buNone/>
+            <a:pPr indent="-317500" lvl="0" marL="457200" rtl="0" algn="l">
+              <a:spcBef>
+                <a:spcPts val="0"/>
+              </a:spcBef>
+              <a:spcAft>
+                <a:spcPts val="0"/>
+              </a:spcAft>
+              <a:buClr>
+                <a:srgbClr val="FFFFFF"/>
+              </a:buClr>
+              <a:buSzPts val="1400"/>
+              <a:buFont typeface="Century Gothic"/>
+              <a:buAutoNum type="arabicPeriod"/>
             </a:pPr>
             <a:r>
-              <a:rPr b="1" lang="es-PA"/>
-              <a:t>Revisa el doc: </a:t>
+              <a:rPr b="1" lang="es-PA">
+                <a:solidFill>
+                  <a:srgbClr val="FFFFFF"/>
+                </a:solidFill>
+              </a:rPr>
+              <a:t>HU001:</a:t>
             </a:r>
             <a:r>
-              <a:rPr lang="es-PA" u="sng">
-                <a:solidFill>
-                  <a:schemeClr val="hlink"/>
-                </a:solidFill>
-                <a:hlinkClick r:id="rId3"/>
+              <a:rPr lang="es-PA">
+                <a:solidFill>
+                  <a:srgbClr val="FFFFFF"/>
+                </a:solidFill>
               </a:rPr>
-              <a:t>https://docs.google.com/document/d/1IA_RC9admPtTClWyhvLDiWgBNULWa8v1SkAFKLlm_-Y/edit?usp=sharing</a:t>
+              <a:t> Generar el informe post-tratamiento automáticamente en formato PDF.</a:t>
             </a:r>
-            <a:endParaRPr/>
+            <a:endParaRPr>
+              <a:solidFill>
+                <a:srgbClr val="FFFFFF"/>
+              </a:solidFill>
+            </a:endParaRPr>
           </a:p>
           <a:p>
             <a:pPr indent="0" lvl="0" marL="0" rtl="0" algn="l">
@@ -18653,10 +18665,139 @@
               <a:buNone/>
             </a:pPr>
             <a:r>
-              <a:rPr lang="es-PA"/>
-              <a:t>Resume y dale sentido de forma que contaras que cosas se aprendieron del sprint 1 (HU001 y 2)</a:t>
+              <a:t/>
             </a:r>
-            <a:endParaRPr/>
+            <a:endParaRPr>
+              <a:solidFill>
+                <a:srgbClr val="FFFFFF"/>
+              </a:solidFill>
+            </a:endParaRPr>
+          </a:p>
+          <a:p>
+            <a:pPr indent="0" lvl="0" marL="0" rtl="0" algn="just">
+              <a:spcBef>
+                <a:spcPts val="0"/>
+              </a:spcBef>
+              <a:spcAft>
+                <a:spcPts val="0"/>
+              </a:spcAft>
+              <a:buNone/>
+            </a:pPr>
+            <a:r>
+              <a:rPr b="1" lang="es-PA">
+                <a:solidFill>
+                  <a:srgbClr val="FFFFFF"/>
+                </a:solidFill>
+              </a:rPr>
+              <a:t>¿Que estamos haciendo bien?</a:t>
+            </a:r>
+            <a:endParaRPr b="1">
+              <a:solidFill>
+                <a:srgbClr val="FFFFFF"/>
+              </a:solidFill>
+            </a:endParaRPr>
+          </a:p>
+          <a:p>
+            <a:pPr indent="0" lvl="0" marL="0" rtl="0" algn="just">
+              <a:spcBef>
+                <a:spcPts val="0"/>
+              </a:spcBef>
+              <a:spcAft>
+                <a:spcPts val="0"/>
+              </a:spcAft>
+              <a:buNone/>
+            </a:pPr>
+            <a:r>
+              <a:t/>
+            </a:r>
+            <a:endParaRPr b="1">
+              <a:solidFill>
+                <a:srgbClr val="FFFFFF"/>
+              </a:solidFill>
+            </a:endParaRPr>
+          </a:p>
+          <a:p>
+            <a:pPr indent="-317500" lvl="0" marL="457200" rtl="0" algn="just">
+              <a:spcBef>
+                <a:spcPts val="0"/>
+              </a:spcBef>
+              <a:spcAft>
+                <a:spcPts val="0"/>
+              </a:spcAft>
+              <a:buClr>
+                <a:srgbClr val="FFFFFF"/>
+              </a:buClr>
+              <a:buSzPts val="1400"/>
+              <a:buChar char="●"/>
+            </a:pPr>
+            <a:r>
+              <a:rPr lang="es-PA">
+                <a:solidFill>
+                  <a:srgbClr val="FFFFFF"/>
+                </a:solidFill>
+              </a:rPr>
+              <a:t>Se realizaron múltiples pruebas de generación de informes con datos de prueba válidos, logrando generar correctamente los informes en formato PDF y presentando todos los datos requeridos adecuadamente. Se verificó que el formateo del documento cumpliera con los estándares establecidos, aunque se detectaron problemas menores en la representación de algunos elementos gráficos, que se corregirán en la próxima iteración y se midió el tiempo de generación del PDF, asegurando que el proceso sea eficiente y no cause demoras significativas.</a:t>
+            </a:r>
+            <a:endParaRPr>
+              <a:solidFill>
+                <a:srgbClr val="FFFFFF"/>
+              </a:solidFill>
+            </a:endParaRPr>
+          </a:p>
+          <a:p>
+            <a:pPr indent="0" lvl="0" marL="0" rtl="0" algn="just">
+              <a:lnSpc>
+                <a:spcPct val="107916"/>
+              </a:lnSpc>
+              <a:spcBef>
+                <a:spcPts val="1500"/>
+              </a:spcBef>
+              <a:spcAft>
+                <a:spcPts val="0"/>
+              </a:spcAft>
+              <a:buNone/>
+            </a:pPr>
+            <a:r>
+              <a:rPr b="1" lang="es-PA">
+                <a:solidFill>
+                  <a:srgbClr val="FFFFFF"/>
+                </a:solidFill>
+              </a:rPr>
+              <a:t>¿Qué aprendimos?</a:t>
+            </a:r>
+            <a:endParaRPr b="1">
+              <a:solidFill>
+                <a:srgbClr val="FFFFFF"/>
+              </a:solidFill>
+            </a:endParaRPr>
+          </a:p>
+          <a:p>
+            <a:pPr indent="-317500" lvl="0" marL="457200" rtl="0" algn="just">
+              <a:spcBef>
+                <a:spcPts val="1500"/>
+              </a:spcBef>
+              <a:spcAft>
+                <a:spcPts val="0"/>
+              </a:spcAft>
+              <a:buClr>
+                <a:srgbClr val="FFFFFF"/>
+              </a:buClr>
+              <a:buSzPts val="1400"/>
+              <a:buChar char="●"/>
+            </a:pPr>
+            <a:r>
+              <a:rPr lang="es-PA">
+                <a:solidFill>
+                  <a:srgbClr val="FFFFFF"/>
+                </a:solidFill>
+              </a:rPr>
+              <a:t>La validación del informe generado confirmó su usabilidad, recomendándole obtener retroalimentación del usuario final para futuras mejoras. La integración del proceso de generación de informes con otros sistemas fue exitosa y se aconseja documentar los pasos para facilitar integraciones futuras. Se verificó la seguridad del proceso, pero se sugiere realizar análisis de vulnerabilidades periódicos para mantener la integridad del sistema.</a:t>
+            </a:r>
+            <a:endParaRPr b="1">
+              <a:solidFill>
+                <a:srgbClr val="FFFFFF"/>
+              </a:solidFill>
+            </a:endParaRPr>
           </a:p>
         </p:txBody>
       </p:sp>
@@ -18693,66 +18834,8 @@
         </p:nvSpPr>
         <p:spPr>
           <a:xfrm>
-            <a:off x="467555" y="1412775"/>
-            <a:ext cx="7520100" cy="523200"/>
-          </a:xfrm>
-          <a:prstGeom prst="rect">
-            <a:avLst/>
-          </a:prstGeom>
-          <a:noFill/>
-          <a:ln>
-            <a:noFill/>
-          </a:ln>
-        </p:spPr>
-        <p:txBody>
-          <a:bodyPr anchorCtr="0" anchor="t" bIns="45700" lIns="91425" spcFirstLastPara="1" rIns="91425" wrap="square" tIns="45700">
-            <a:spAutoFit/>
-          </a:bodyPr>
-          <a:lstStyle/>
-          <a:p>
-            <a:pPr indent="0" lvl="0" marL="0" marR="0" rtl="0" algn="l">
-              <a:spcBef>
-                <a:spcPts val="0"/>
-              </a:spcBef>
-              <a:spcAft>
-                <a:spcPts val="0"/>
-              </a:spcAft>
-              <a:buNone/>
-            </a:pPr>
-            <a:r>
-              <a:rPr b="1" lang="es-PA" sz="2800">
-                <a:solidFill>
-                  <a:schemeClr val="lt1"/>
-                </a:solidFill>
-                <a:latin typeface="Century Gothic"/>
-                <a:ea typeface="Century Gothic"/>
-                <a:cs typeface="Century Gothic"/>
-                <a:sym typeface="Century Gothic"/>
-              </a:rPr>
-              <a:t>¿Qué estamos haciendo bien?</a:t>
-            </a:r>
-            <a:endParaRPr sz="1800">
-              <a:solidFill>
-                <a:schemeClr val="lt1"/>
-              </a:solidFill>
-              <a:latin typeface="Century Gothic"/>
-              <a:ea typeface="Century Gothic"/>
-              <a:cs typeface="Century Gothic"/>
-              <a:sym typeface="Century Gothic"/>
-            </a:endParaRPr>
-          </a:p>
-        </p:txBody>
-      </p:sp>
-      <p:sp>
-        <p:nvSpPr>
-          <p:cNvPr id="170" name="Google Shape;170;g2df30faa381_0_5"/>
-          <p:cNvSpPr txBox="1"/>
-          <p:nvPr/>
-        </p:nvSpPr>
-        <p:spPr>
-          <a:xfrm>
-            <a:off x="547300" y="2365750"/>
-            <a:ext cx="7427100" cy="1262100"/>
+            <a:off x="373250" y="1502100"/>
+            <a:ext cx="8211300" cy="2810100"/>
           </a:xfrm>
           <a:prstGeom prst="rect">
             <a:avLst/>
@@ -18768,7 +18851,7 @@
           </a:bodyPr>
           <a:lstStyle/>
           <a:p>
-            <a:pPr indent="0" lvl="0" marL="0" rtl="0" algn="l">
+            <a:pPr indent="0" lvl="0" marL="0" rtl="0" algn="just">
               <a:spcBef>
                 <a:spcPts val="0"/>
               </a:spcBef>
@@ -18778,35 +18861,171 @@
               <a:buNone/>
             </a:pPr>
             <a:r>
-              <a:rPr b="1" lang="es-PA"/>
-              <a:t>Revisa el doc: </a:t>
+              <a:rPr b="1" lang="es-PA" sz="1600">
+                <a:solidFill>
+                  <a:srgbClr val="FFFFFF"/>
+                </a:solidFill>
+              </a:rPr>
+              <a:t>¿Que estamos haciendo bien?</a:t>
+            </a:r>
+            <a:endParaRPr b="1" sz="1600">
+              <a:solidFill>
+                <a:srgbClr val="FFFFFF"/>
+              </a:solidFill>
+            </a:endParaRPr>
+          </a:p>
+          <a:p>
+            <a:pPr indent="-330200" lvl="0" marL="457200" rtl="0" algn="just">
+              <a:lnSpc>
+                <a:spcPct val="107916"/>
+              </a:lnSpc>
+              <a:spcBef>
+                <a:spcPts val="1500"/>
+              </a:spcBef>
+              <a:spcAft>
+                <a:spcPts val="0"/>
+              </a:spcAft>
+              <a:buClr>
+                <a:srgbClr val="FFFFFF"/>
+              </a:buClr>
+              <a:buSzPts val="1600"/>
+              <a:buChar char="●"/>
+            </a:pPr>
+            <a:r>
+              <a:rPr lang="es-PA" sz="1600">
+                <a:solidFill>
+                  <a:srgbClr val="FFFFFF"/>
+                </a:solidFill>
+              </a:rPr>
+              <a:t>Se realizaron pruebas para asegurar que los informes generen automáticamente una copia de seguridad al imprimirse y se verificó que los informes pudieran recuperarse y visualizarse desde el sistema sin problemas.</a:t>
+            </a:r>
+            <a:endParaRPr sz="1600">
+              <a:solidFill>
+                <a:srgbClr val="FFFFFF"/>
+              </a:solidFill>
+            </a:endParaRPr>
+          </a:p>
+          <a:p>
+            <a:pPr indent="0" lvl="0" marL="0" rtl="0" algn="just">
+              <a:lnSpc>
+                <a:spcPct val="107916"/>
+              </a:lnSpc>
+              <a:spcBef>
+                <a:spcPts val="1500"/>
+              </a:spcBef>
+              <a:spcAft>
+                <a:spcPts val="0"/>
+              </a:spcAft>
+              <a:buNone/>
+            </a:pPr>
+            <a:r>
+              <a:rPr b="1" lang="es-PA" sz="1600">
+                <a:solidFill>
+                  <a:srgbClr val="FFFFFF"/>
+                </a:solidFill>
+              </a:rPr>
+              <a:t>¿Qué aprendimos?</a:t>
+            </a:r>
+            <a:endParaRPr b="1" sz="1600">
+              <a:solidFill>
+                <a:srgbClr val="FFFFFF"/>
+              </a:solidFill>
+            </a:endParaRPr>
+          </a:p>
+          <a:p>
+            <a:pPr indent="-330200" lvl="0" marL="457200" rtl="0" algn="l">
+              <a:spcBef>
+                <a:spcPts val="1500"/>
+              </a:spcBef>
+              <a:spcAft>
+                <a:spcPts val="0"/>
+              </a:spcAft>
+              <a:buClr>
+                <a:srgbClr val="FFFFFF"/>
+              </a:buClr>
+              <a:buSzPts val="1600"/>
+              <a:buChar char="●"/>
+            </a:pPr>
+            <a:r>
+              <a:rPr lang="es-PA" sz="1600">
+                <a:solidFill>
+                  <a:srgbClr val="FFFFFF"/>
+                </a:solidFill>
+              </a:rPr>
+              <a:t>El almacenamiento fue exitoso; se recomienda seguir monitoreando la integridad y accesibilidad de los archivos. La recuperación fue exitosa; es aconsejable realizar pruebas periódicas para asegurar la accesibilidad continua de los informes.</a:t>
+            </a:r>
+            <a:endParaRPr sz="1600">
+              <a:solidFill>
+                <a:srgbClr val="FFFFFF"/>
+              </a:solidFill>
+            </a:endParaRPr>
+          </a:p>
+        </p:txBody>
+      </p:sp>
+      <p:sp>
+        <p:nvSpPr>
+          <p:cNvPr id="170" name="Google Shape;170;g2df30faa381_0_5"/>
+          <p:cNvSpPr txBox="1"/>
+          <p:nvPr/>
+        </p:nvSpPr>
+        <p:spPr>
+          <a:xfrm>
+            <a:off x="373250" y="323375"/>
+            <a:ext cx="7774200" cy="1046700"/>
+          </a:xfrm>
+          <a:prstGeom prst="rect">
+            <a:avLst/>
+          </a:prstGeom>
+          <a:noFill/>
+          <a:ln>
+            <a:noFill/>
+          </a:ln>
+        </p:spPr>
+        <p:txBody>
+          <a:bodyPr anchorCtr="0" anchor="t" bIns="91425" lIns="91425" spcFirstLastPara="1" rIns="91425" wrap="square" tIns="91425">
+            <a:spAutoFit/>
+          </a:bodyPr>
+          <a:lstStyle/>
+          <a:p>
+            <a:pPr indent="0" lvl="0" marL="457200" rtl="0" algn="l">
+              <a:spcBef>
+                <a:spcPts val="0"/>
+              </a:spcBef>
+              <a:spcAft>
+                <a:spcPts val="0"/>
+              </a:spcAft>
+              <a:buNone/>
+            </a:pPr>
+            <a:r>
+              <a:rPr b="1" lang="es-PA" sz="2800">
+                <a:solidFill>
+                  <a:srgbClr val="FFFFFF"/>
+                </a:solidFill>
+                <a:latin typeface="Century Gothic"/>
+                <a:ea typeface="Century Gothic"/>
+                <a:cs typeface="Century Gothic"/>
+                <a:sym typeface="Century Gothic"/>
+              </a:rPr>
+              <a:t>2. HU 002: </a:t>
             </a:r>
             <a:r>
-              <a:rPr lang="es-PA" u="sng">
-                <a:solidFill>
-                  <a:schemeClr val="hlink"/>
-                </a:solidFill>
-                <a:hlinkClick r:id="rId3"/>
+              <a:rPr lang="es-PA" sz="2800">
+                <a:solidFill>
+                  <a:srgbClr val="FFFFFF"/>
+                </a:solidFill>
+                <a:latin typeface="Century Gothic"/>
+                <a:ea typeface="Century Gothic"/>
+                <a:cs typeface="Century Gothic"/>
+                <a:sym typeface="Century Gothic"/>
               </a:rPr>
-              <a:t>https://docs.google.com/document/d/1IA_RC9admPtTClWyhvLDiWgBNULWa8v1SkAFKLlm_-Y/edit?usp=sharing</a:t>
+              <a:t>Imprimir una copia del informe post-tratamiento </a:t>
             </a:r>
-            <a:endParaRPr/>
-          </a:p>
-          <a:p>
-            <a:pPr indent="0" lvl="0" marL="0" rtl="0" algn="l">
-              <a:spcBef>
-                <a:spcPts val="0"/>
-              </a:spcBef>
-              <a:spcAft>
-                <a:spcPts val="0"/>
-              </a:spcAft>
-              <a:buNone/>
-            </a:pPr>
-            <a:r>
-              <a:rPr lang="es-PA"/>
-              <a:t>Resume y dale sentido de forma que contaras que cosas estamos realizando bien en el sprint 1 (HU001 y 2)</a:t>
-            </a:r>
-            <a:endParaRPr/>
+            <a:endParaRPr sz="2800">
+              <a:latin typeface="Century Gothic"/>
+              <a:ea typeface="Century Gothic"/>
+              <a:cs typeface="Century Gothic"/>
+              <a:sym typeface="Century Gothic"/>
+            </a:endParaRPr>
           </a:p>
         </p:txBody>
       </p:sp>
@@ -18843,8 +19062,8 @@
         </p:nvSpPr>
         <p:spPr>
           <a:xfrm>
-            <a:off x="467555" y="1412775"/>
-            <a:ext cx="8078400" cy="4320000"/>
+            <a:off x="373050" y="510050"/>
+            <a:ext cx="8600400" cy="5777100"/>
           </a:xfrm>
           <a:prstGeom prst="rect">
             <a:avLst/>
@@ -18860,7 +19079,7 @@
           </a:bodyPr>
           <a:lstStyle/>
           <a:p>
-            <a:pPr indent="0" lvl="0" marL="0" marR="0" rtl="0" algn="l">
+            <a:pPr indent="0" lvl="0" marL="0" marR="0" rtl="0" algn="just">
               <a:spcBef>
                 <a:spcPts val="1000"/>
               </a:spcBef>
@@ -18870,33 +19089,25 @@
               <a:buNone/>
             </a:pPr>
             <a:r>
-              <a:rPr b="1" lang="es-PA" sz="2800">
+              <a:rPr b="1" lang="es-PA">
                 <a:solidFill>
                   <a:schemeClr val="lt1"/>
                 </a:solidFill>
-                <a:latin typeface="Century Gothic"/>
-                <a:ea typeface="Century Gothic"/>
-                <a:cs typeface="Century Gothic"/>
-                <a:sym typeface="Century Gothic"/>
               </a:rPr>
               <a:t>¿</a:t>
             </a:r>
             <a:r>
-              <a:rPr b="1" lang="es-PA" sz="2800">
+              <a:rPr b="1" lang="es-PA">
                 <a:solidFill>
                   <a:schemeClr val="lt1"/>
                 </a:solidFill>
-                <a:latin typeface="Century Gothic"/>
-                <a:ea typeface="Century Gothic"/>
-                <a:cs typeface="Century Gothic"/>
-                <a:sym typeface="Century Gothic"/>
               </a:rPr>
               <a:t>Qué podemos hacer mejor?</a:t>
             </a:r>
-            <a:endParaRPr/>
+            <a:endParaRPr b="1"/>
           </a:p>
           <a:p>
-            <a:pPr indent="-306999" lvl="1" marL="269999" marR="0" rtl="0" algn="l">
+            <a:pPr indent="-268899" lvl="1" marL="269999" marR="0" rtl="0" algn="just">
               <a:spcBef>
                 <a:spcPts val="1000"/>
               </a:spcBef>
@@ -18906,66 +19117,61 @@
               <a:buClr>
                 <a:schemeClr val="lt1"/>
               </a:buClr>
-              <a:buSzPts val="2000"/>
-              <a:buFont typeface="Arial"/>
+              <a:buSzPts val="1400"/>
               <a:buChar char="•"/>
             </a:pPr>
             <a:r>
-              <a:rPr b="0" i="0" lang="es-PA" sz="2000" u="none" cap="none" strike="noStrike">
+              <a:rPr b="1" i="0" lang="es-PA" u="none" cap="none" strike="noStrike">
                 <a:solidFill>
                   <a:schemeClr val="lt1"/>
                 </a:solidFill>
-                <a:latin typeface="Century Gothic"/>
-                <a:ea typeface="Century Gothic"/>
-                <a:cs typeface="Century Gothic"/>
-                <a:sym typeface="Century Gothic"/>
               </a:rPr>
-              <a:t>Personas:</a:t>
+              <a:t>Personas</a:t>
             </a:r>
-            <a:endParaRPr b="0" i="0" sz="2000" u="none" cap="none" strike="noStrike">
+            <a:r>
+              <a:rPr i="0" lang="es-PA" u="none" cap="none" strike="noStrike">
+                <a:solidFill>
+                  <a:schemeClr val="lt1"/>
+                </a:solidFill>
+              </a:rPr>
+              <a:t>:</a:t>
+            </a:r>
+            <a:endParaRPr i="0" u="none" cap="none" strike="noStrike">
               <a:solidFill>
                 <a:schemeClr val="lt1"/>
               </a:solidFill>
-              <a:latin typeface="Century Gothic"/>
-              <a:ea typeface="Century Gothic"/>
-              <a:cs typeface="Century Gothic"/>
-              <a:sym typeface="Century Gothic"/>
             </a:endParaRPr>
           </a:p>
           <a:p>
-            <a:pPr indent="-179999" lvl="0" marL="269999" marR="0" rtl="0" algn="l">
-              <a:spcBef>
-                <a:spcPts val="1000"/>
-              </a:spcBef>
-              <a:spcAft>
-                <a:spcPts val="0"/>
-              </a:spcAft>
-              <a:buNone/>
+            <a:pPr indent="-317500" lvl="0" marL="457200" marR="0" rtl="0" algn="just">
+              <a:spcBef>
+                <a:spcPts val="0"/>
+              </a:spcBef>
+              <a:spcAft>
+                <a:spcPts val="0"/>
+              </a:spcAft>
+              <a:buClr>
+                <a:schemeClr val="lt1"/>
+              </a:buClr>
+              <a:buSzPts val="1400"/>
+              <a:buChar char="-"/>
             </a:pPr>
             <a:r>
-              <a:rPr lang="es-PA" sz="2000">
+              <a:rPr lang="es-PA">
                 <a:solidFill>
                   <a:schemeClr val="lt1"/>
                 </a:solidFill>
-                <a:latin typeface="Century Gothic"/>
-                <a:ea typeface="Century Gothic"/>
-                <a:cs typeface="Century Gothic"/>
-                <a:sym typeface="Century Gothic"/>
               </a:rPr>
-              <a:t>		Aquí recomendaciones relacionadas a como actuar en el proyecto de mejor manera de forma personal</a:t>
+              <a:t>Mantener una comunicación abierta y transparente con tu equipo. Informa sobre tus progresos y cualquier obstáculo que encuentres, y no dudes en pedir ayuda cuando sea necesario y fomentar un ambiente de trabajo colaborativo y de apoyo. Relaciones sólidas con tus colegas pueden mejorar la moral del equipo y aumentar la productividad.</a:t>
             </a:r>
-            <a:endParaRPr sz="2000">
+            <a:endParaRPr>
               <a:solidFill>
                 <a:schemeClr val="lt1"/>
               </a:solidFill>
-              <a:latin typeface="Century Gothic"/>
-              <a:ea typeface="Century Gothic"/>
-              <a:cs typeface="Century Gothic"/>
-              <a:sym typeface="Century Gothic"/>
             </a:endParaRPr>
           </a:p>
           <a:p>
-            <a:pPr indent="-306999" lvl="1" marL="269999" marR="0" rtl="0" algn="l">
+            <a:pPr indent="-268899" lvl="1" marL="269999" marR="0" rtl="0" algn="just">
               <a:spcBef>
                 <a:spcPts val="1000"/>
               </a:spcBef>
@@ -18975,66 +19181,61 @@
               <a:buClr>
                 <a:schemeClr val="lt1"/>
               </a:buClr>
-              <a:buSzPts val="2000"/>
-              <a:buFont typeface="Arial"/>
+              <a:buSzPts val="1400"/>
               <a:buChar char="•"/>
             </a:pPr>
             <a:r>
-              <a:rPr b="0" i="0" lang="es-PA" sz="2000" u="none" cap="none" strike="noStrike">
+              <a:rPr b="1" i="0" lang="es-PA" u="none" cap="none" strike="noStrike">
                 <a:solidFill>
                   <a:schemeClr val="lt1"/>
                 </a:solidFill>
-                <a:latin typeface="Century Gothic"/>
-                <a:ea typeface="Century Gothic"/>
-                <a:cs typeface="Century Gothic"/>
-                <a:sym typeface="Century Gothic"/>
               </a:rPr>
-              <a:t>Relaciones:</a:t>
+              <a:t>Relaciones</a:t>
             </a:r>
-            <a:endParaRPr b="0" i="0" sz="2000" u="none" cap="none" strike="noStrike">
+            <a:r>
+              <a:rPr i="0" lang="es-PA" u="none" cap="none" strike="noStrike">
+                <a:solidFill>
+                  <a:schemeClr val="lt1"/>
+                </a:solidFill>
+              </a:rPr>
+              <a:t>:</a:t>
+            </a:r>
+            <a:endParaRPr>
               <a:solidFill>
                 <a:schemeClr val="lt1"/>
               </a:solidFill>
-              <a:latin typeface="Century Gothic"/>
-              <a:ea typeface="Century Gothic"/>
-              <a:cs typeface="Century Gothic"/>
-              <a:sym typeface="Century Gothic"/>
             </a:endParaRPr>
           </a:p>
           <a:p>
-            <a:pPr indent="-179999" lvl="0" marL="269999" marR="0" rtl="0" algn="l">
-              <a:spcBef>
-                <a:spcPts val="1000"/>
-              </a:spcBef>
-              <a:spcAft>
-                <a:spcPts val="0"/>
-              </a:spcAft>
-              <a:buNone/>
+            <a:pPr indent="-317500" lvl="0" marL="457200" marR="0" rtl="0" algn="just">
+              <a:spcBef>
+                <a:spcPts val="0"/>
+              </a:spcBef>
+              <a:spcAft>
+                <a:spcPts val="0"/>
+              </a:spcAft>
+              <a:buClr>
+                <a:schemeClr val="lt1"/>
+              </a:buClr>
+              <a:buSzPts val="1400"/>
+              <a:buChar char="-"/>
             </a:pPr>
             <a:r>
-              <a:rPr lang="es-PA" sz="2000">
+              <a:rPr lang="es-PA">
                 <a:solidFill>
                   <a:schemeClr val="lt1"/>
                 </a:solidFill>
-                <a:latin typeface="Century Gothic"/>
-                <a:ea typeface="Century Gothic"/>
-                <a:cs typeface="Century Gothic"/>
-                <a:sym typeface="Century Gothic"/>
               </a:rPr>
-              <a:t>		Aquí sobre trabajo en equipo</a:t>
+              <a:t>Asegurarse de que todos los miembros del equipo comprendan y estén alineados con los objetivos del proyecto. Un entendimiento común ayuda a enfocar los esfuerzos y evita malentendidos y programa reuniones de seguimiento para revisar el progreso, abordar problemas y ajustar planes según sea necesario. Las reuniones deben ser eficientes y enfocadas en los temas más relevantes.</a:t>
             </a:r>
-            <a:endParaRPr sz="2000">
+            <a:endParaRPr>
               <a:solidFill>
                 <a:schemeClr val="lt1"/>
               </a:solidFill>
-              <a:latin typeface="Century Gothic"/>
-              <a:ea typeface="Century Gothic"/>
-              <a:cs typeface="Century Gothic"/>
-              <a:sym typeface="Century Gothic"/>
             </a:endParaRPr>
           </a:p>
           <a:p>
-            <a:pPr indent="-306999" lvl="1" marL="269999" marR="0" rtl="0" algn="l">
+            <a:pPr indent="-268899" lvl="1" marL="269999" marR="0" rtl="0" algn="just">
               <a:spcBef>
                 <a:spcPts val="1000"/>
               </a:spcBef>
@@ -19044,68 +19245,63 @@
               <a:buClr>
                 <a:schemeClr val="lt1"/>
               </a:buClr>
-              <a:buSzPts val="2000"/>
-              <a:buFont typeface="Arial"/>
+              <a:buSzPts val="1400"/>
               <a:buChar char="•"/>
             </a:pPr>
             <a:r>
-              <a:rPr b="0" i="0" lang="es-PA" sz="2000" u="none" cap="none" strike="noStrike">
+              <a:rPr b="1" i="0" lang="es-PA" u="none" cap="none" strike="noStrike">
                 <a:solidFill>
                   <a:schemeClr val="lt1"/>
                 </a:solidFill>
-                <a:latin typeface="Century Gothic"/>
-                <a:ea typeface="Century Gothic"/>
-                <a:cs typeface="Century Gothic"/>
-                <a:sym typeface="Century Gothic"/>
               </a:rPr>
               <a:t>Procesos:</a:t>
             </a:r>
-            <a:endParaRPr b="0" i="0" sz="2000" u="none" cap="none" strike="noStrike">
+            <a:endParaRPr i="0" u="none" cap="none" strike="noStrike">
               <a:solidFill>
                 <a:schemeClr val="lt1"/>
               </a:solidFill>
-              <a:latin typeface="Century Gothic"/>
-              <a:ea typeface="Century Gothic"/>
-              <a:cs typeface="Century Gothic"/>
-              <a:sym typeface="Century Gothic"/>
             </a:endParaRPr>
           </a:p>
           <a:p>
-            <a:pPr indent="-179999" lvl="0" marL="269999" marR="0" rtl="0" algn="l">
-              <a:spcBef>
-                <a:spcPts val="1000"/>
-              </a:spcBef>
-              <a:spcAft>
-                <a:spcPts val="0"/>
-              </a:spcAft>
-              <a:buNone/>
+            <a:pPr indent="-317500" lvl="0" marL="457200" rtl="0" algn="just">
+              <a:spcBef>
+                <a:spcPts val="0"/>
+              </a:spcBef>
+              <a:spcAft>
+                <a:spcPts val="0"/>
+              </a:spcAft>
+              <a:buClr>
+                <a:schemeClr val="lt1"/>
+              </a:buClr>
+              <a:buSzPts val="1400"/>
+              <a:buChar char="-"/>
             </a:pPr>
             <a:r>
-              <a:rPr lang="es-PA" sz="2000">
+              <a:rPr b="1" lang="es-PA">
                 <a:solidFill>
                   <a:schemeClr val="lt1"/>
                 </a:solidFill>
-                <a:latin typeface="Century Gothic"/>
-                <a:ea typeface="Century Gothic"/>
-                <a:cs typeface="Century Gothic"/>
-                <a:sym typeface="Century Gothic"/>
               </a:rPr>
-              <a:t>		Aquí sobre como ejecutar el trabajo y sus procesos</a:t>
+              <a:t>Desglosa el proyecto:</a:t>
             </a:r>
-            <a:endParaRPr sz="2000">
+            <a:r>
+              <a:rPr lang="es-PA">
+                <a:solidFill>
+                  <a:schemeClr val="lt1"/>
+                </a:solidFill>
+              </a:rPr>
+              <a:t> Divide el proyecto en tareas más pequeñas y manejables.</a:t>
+            </a:r>
+            <a:endParaRPr>
               <a:solidFill>
                 <a:schemeClr val="lt1"/>
               </a:solidFill>
-              <a:latin typeface="Century Gothic"/>
-              <a:ea typeface="Century Gothic"/>
-              <a:cs typeface="Century Gothic"/>
-              <a:sym typeface="Century Gothic"/>
             </a:endParaRPr>
           </a:p>
           <a:p>
-            <a:pPr indent="-306999" lvl="1" marL="269999" marR="0" rtl="0" algn="l">
-              <a:spcBef>
-                <a:spcPts val="1000"/>
+            <a:pPr indent="-317500" lvl="0" marL="457200" rtl="0" algn="just">
+              <a:spcBef>
+                <a:spcPts val="0"/>
               </a:spcBef>
               <a:spcAft>
                 <a:spcPts val="0"/>
@@ -19113,62 +19309,209 @@
               <a:buClr>
                 <a:schemeClr val="lt1"/>
               </a:buClr>
-              <a:buSzPts val="2000"/>
-              <a:buFont typeface="Arial"/>
+              <a:buSzPts val="1400"/>
+              <a:buChar char="-"/>
+            </a:pPr>
+            <a:r>
+              <a:rPr b="1" lang="es-PA">
+                <a:solidFill>
+                  <a:schemeClr val="lt1"/>
+                </a:solidFill>
+              </a:rPr>
+              <a:t>Establece plazos realistas:</a:t>
+            </a:r>
+            <a:r>
+              <a:rPr lang="es-PA">
+                <a:solidFill>
+                  <a:schemeClr val="lt1"/>
+                </a:solidFill>
+              </a:rPr>
+              <a:t> Define fechas límite para cada tarea y asegúrate de que sean alcanzables.</a:t>
+            </a:r>
+            <a:endParaRPr>
+              <a:solidFill>
+                <a:schemeClr val="lt1"/>
+              </a:solidFill>
+            </a:endParaRPr>
+          </a:p>
+          <a:p>
+            <a:pPr indent="-317500" lvl="0" marL="457200" marR="0" rtl="0" algn="just">
+              <a:spcBef>
+                <a:spcPts val="0"/>
+              </a:spcBef>
+              <a:spcAft>
+                <a:spcPts val="0"/>
+              </a:spcAft>
+              <a:buClr>
+                <a:schemeClr val="lt1"/>
+              </a:buClr>
+              <a:buSzPts val="1400"/>
+              <a:buChar char="-"/>
+            </a:pPr>
+            <a:r>
+              <a:rPr b="1" lang="es-PA">
+                <a:solidFill>
+                  <a:schemeClr val="lt1"/>
+                </a:solidFill>
+              </a:rPr>
+              <a:t>Distribuye responsabilidades:</a:t>
+            </a:r>
+            <a:r>
+              <a:rPr lang="es-PA">
+                <a:solidFill>
+                  <a:schemeClr val="lt1"/>
+                </a:solidFill>
+              </a:rPr>
+              <a:t> Asigna tareas a los miembros del equipo según sus habilidades y experiencia.</a:t>
+            </a:r>
+            <a:endParaRPr>
+              <a:solidFill>
+                <a:schemeClr val="lt1"/>
+              </a:solidFill>
+            </a:endParaRPr>
+          </a:p>
+          <a:p>
+            <a:pPr indent="-268899" lvl="1" marL="269999" marR="0" rtl="0" algn="just">
+              <a:spcBef>
+                <a:spcPts val="1000"/>
+              </a:spcBef>
+              <a:spcAft>
+                <a:spcPts val="0"/>
+              </a:spcAft>
+              <a:buClr>
+                <a:schemeClr val="lt1"/>
+              </a:buClr>
+              <a:buSzPts val="1400"/>
               <a:buChar char="•"/>
             </a:pPr>
             <a:r>
-              <a:rPr b="0" i="0" lang="es-PA" sz="2000" u="none" cap="none" strike="noStrike">
+              <a:rPr b="1" i="0" lang="es-PA" u="none" cap="none" strike="noStrike">
                 <a:solidFill>
                   <a:schemeClr val="lt1"/>
                 </a:solidFill>
-                <a:latin typeface="Century Gothic"/>
-                <a:ea typeface="Century Gothic"/>
-                <a:cs typeface="Century Gothic"/>
-                <a:sym typeface="Century Gothic"/>
               </a:rPr>
-              <a:t>Herramientas:</a:t>
+              <a:t>Herramientas</a:t>
             </a:r>
-            <a:endParaRPr b="0" i="0" sz="2000" u="none" cap="none" strike="noStrike">
+            <a:r>
+              <a:rPr i="0" lang="es-PA" u="none" cap="none" strike="noStrike">
+                <a:solidFill>
+                  <a:schemeClr val="lt1"/>
+                </a:solidFill>
+              </a:rPr>
+              <a:t>:</a:t>
+            </a:r>
+            <a:endParaRPr i="0" u="none" cap="none" strike="noStrike">
               <a:solidFill>
                 <a:schemeClr val="lt1"/>
               </a:solidFill>
-              <a:latin typeface="Century Gothic"/>
-              <a:ea typeface="Century Gothic"/>
-              <a:cs typeface="Century Gothic"/>
-              <a:sym typeface="Century Gothic"/>
             </a:endParaRPr>
           </a:p>
           <a:p>
-            <a:pPr indent="0" lvl="0" marL="0" marR="0" rtl="0" algn="l">
-              <a:spcBef>
-                <a:spcPts val="1000"/>
-              </a:spcBef>
-              <a:spcAft>
-                <a:spcPts val="0"/>
-              </a:spcAft>
-              <a:buNone/>
+            <a:pPr indent="-317500" lvl="0" marL="457200" marR="0" rtl="0" algn="just">
+              <a:spcBef>
+                <a:spcPts val="0"/>
+              </a:spcBef>
+              <a:spcAft>
+                <a:spcPts val="0"/>
+              </a:spcAft>
+              <a:buClr>
+                <a:schemeClr val="lt1"/>
+              </a:buClr>
+              <a:buSzPts val="1400"/>
+              <a:buChar char="-"/>
             </a:pPr>
             <a:r>
-              <a:rPr lang="es-PA" sz="2000">
+              <a:rPr b="1" lang="es-PA">
                 <a:solidFill>
                   <a:schemeClr val="lt1"/>
                 </a:solidFill>
-                <a:latin typeface="Century Gothic"/>
-                <a:ea typeface="Century Gothic"/>
-                <a:cs typeface="Century Gothic"/>
-                <a:sym typeface="Century Gothic"/>
               </a:rPr>
-              <a:t>	Aquí que herramientas podemos utilizar a futuro</a:t>
+              <a:t>Zapier:</a:t>
             </a:r>
-            <a:endParaRPr sz="2000">
+            <a:r>
+              <a:rPr lang="es-PA">
+                <a:solidFill>
+                  <a:schemeClr val="lt1"/>
+                </a:solidFill>
+              </a:rPr>
+              <a:t> Conecta diferentes aplicaciones y automatizar flujos de trabajo entre ellas, facilitando la integración de múltiples herramientas en un mismo proyecto.</a:t>
+            </a:r>
+            <a:endParaRPr>
               <a:solidFill>
                 <a:schemeClr val="lt1"/>
               </a:solidFill>
-              <a:latin typeface="Century Gothic"/>
-              <a:ea typeface="Century Gothic"/>
-              <a:cs typeface="Century Gothic"/>
-              <a:sym typeface="Century Gothic"/>
+            </a:endParaRPr>
+          </a:p>
+          <a:p>
+            <a:pPr indent="-317500" lvl="0" marL="457200" marR="0" rtl="0" algn="just">
+              <a:spcBef>
+                <a:spcPts val="0"/>
+              </a:spcBef>
+              <a:spcAft>
+                <a:spcPts val="0"/>
+              </a:spcAft>
+              <a:buClr>
+                <a:schemeClr val="lt1"/>
+              </a:buClr>
+              <a:buSzPts val="1400"/>
+              <a:buChar char="-"/>
+            </a:pPr>
+            <a:r>
+              <a:rPr b="1" lang="es-PA">
+                <a:solidFill>
+                  <a:schemeClr val="lt1"/>
+                </a:solidFill>
+              </a:rPr>
+              <a:t>GitHub:</a:t>
+            </a:r>
+            <a:r>
+              <a:rPr lang="es-PA">
+                <a:solidFill>
+                  <a:schemeClr val="lt1"/>
+                </a:solidFill>
+              </a:rPr>
+              <a:t> Plataforma para el control de versiones y colaboración en código fuente. Ideal para equipos de desarrollo de software.</a:t>
+            </a:r>
+            <a:endParaRPr>
+              <a:solidFill>
+                <a:schemeClr val="lt1"/>
+              </a:solidFill>
+            </a:endParaRPr>
+          </a:p>
+          <a:p>
+            <a:pPr indent="-317500" lvl="0" marL="457200" marR="0" rtl="0" algn="just">
+              <a:spcBef>
+                <a:spcPts val="0"/>
+              </a:spcBef>
+              <a:spcAft>
+                <a:spcPts val="0"/>
+              </a:spcAft>
+              <a:buClr>
+                <a:schemeClr val="lt1"/>
+              </a:buClr>
+              <a:buSzPts val="1400"/>
+              <a:buChar char="-"/>
+            </a:pPr>
+            <a:r>
+              <a:rPr b="1" lang="es-PA">
+                <a:solidFill>
+                  <a:schemeClr val="lt1"/>
+                </a:solidFill>
+              </a:rPr>
+              <a:t>Trello:</a:t>
+            </a:r>
+            <a:r>
+              <a:rPr lang="es-PA">
+                <a:solidFill>
+                  <a:schemeClr val="lt1"/>
+                </a:solidFill>
+              </a:rPr>
+              <a:t> Utiliza tableros visuales para organizar tareas y proyectos. Es ideal para ver el estado del trabajo en un solo vistazo.</a:t>
+            </a:r>
+            <a:endParaRPr>
+              <a:solidFill>
+                <a:schemeClr val="lt1"/>
+              </a:solidFill>
             </a:endParaRPr>
           </a:p>
         </p:txBody>
@@ -19279,8 +19622,8 @@
         </p:nvSpPr>
         <p:spPr>
           <a:xfrm>
-            <a:off x="467550" y="2538500"/>
-            <a:ext cx="6935400" cy="738900"/>
+            <a:off x="548100" y="2499350"/>
+            <a:ext cx="8047800" cy="3108300"/>
           </a:xfrm>
           <a:prstGeom prst="rect">
             <a:avLst/>
@@ -19306,21 +19649,163 @@
               <a:buNone/>
             </a:pPr>
             <a:r>
+              <a:rPr b="1" lang="es-PA" sz="1900">
+                <a:solidFill>
+                  <a:srgbClr val="FFFFFF"/>
+                </a:solidFill>
+              </a:rPr>
+              <a:t>Próximos avances:</a:t>
+            </a:r>
+            <a:endParaRPr b="1" sz="1900">
+              <a:solidFill>
+                <a:srgbClr val="FFFFFF"/>
+              </a:solidFill>
+            </a:endParaRPr>
+          </a:p>
+          <a:p>
+            <a:pPr indent="0" lvl="0" marL="0" rtl="0" algn="l">
+              <a:lnSpc>
+                <a:spcPct val="115000"/>
+              </a:lnSpc>
+              <a:spcBef>
+                <a:spcPts val="0"/>
+              </a:spcBef>
+              <a:spcAft>
+                <a:spcPts val="0"/>
+              </a:spcAft>
+              <a:buNone/>
+            </a:pPr>
+            <a:r>
+              <a:t/>
+            </a:r>
+            <a:endParaRPr b="1">
+              <a:solidFill>
+                <a:srgbClr val="FFFFFF"/>
+              </a:solidFill>
+            </a:endParaRPr>
+          </a:p>
+          <a:p>
+            <a:pPr indent="0" lvl="0" marL="0" rtl="0" algn="just">
+              <a:lnSpc>
+                <a:spcPct val="115000"/>
+              </a:lnSpc>
+              <a:spcBef>
+                <a:spcPts val="1000"/>
+              </a:spcBef>
+              <a:spcAft>
+                <a:spcPts val="0"/>
+              </a:spcAft>
+              <a:buNone/>
+            </a:pPr>
+            <a:r>
+              <a:rPr b="1" lang="es-PA" sz="1800">
+                <a:solidFill>
+                  <a:srgbClr val="FFFFFF"/>
+                </a:solidFill>
+              </a:rPr>
+              <a:t>HU003:</a:t>
+            </a:r>
+            <a:r>
               <a:rPr lang="es-PA" sz="1800">
                 <a:solidFill>
                   <a:srgbClr val="FFFFFF"/>
                 </a:solidFill>
-                <a:highlight>
-                  <a:srgbClr val="EE5818"/>
-                </a:highlight>
-                <a:latin typeface="Century Gothic"/>
-                <a:ea typeface="Century Gothic"/>
-                <a:cs typeface="Century Gothic"/>
-                <a:sym typeface="Century Gothic"/>
               </a:rPr>
-              <a:t>Revisa el informe de estado sprint 1 - Sección de Próximos avances</a:t>
+              <a:t> Agregar notas personalizadas al informe post-tratamiento</a:t>
             </a:r>
-            <a:endParaRPr>
+            <a:endParaRPr sz="1800">
+              <a:solidFill>
+                <a:srgbClr val="FFFFFF"/>
+              </a:solidFill>
+            </a:endParaRPr>
+          </a:p>
+          <a:p>
+            <a:pPr indent="0" lvl="0" marL="0" rtl="0" algn="just">
+              <a:lnSpc>
+                <a:spcPct val="115000"/>
+              </a:lnSpc>
+              <a:spcBef>
+                <a:spcPts val="1000"/>
+              </a:spcBef>
+              <a:spcAft>
+                <a:spcPts val="0"/>
+              </a:spcAft>
+              <a:buNone/>
+            </a:pPr>
+            <a:r>
+              <a:rPr b="1" lang="es-PA" sz="1800">
+                <a:solidFill>
+                  <a:srgbClr val="FFFFFF"/>
+                </a:solidFill>
+              </a:rPr>
+              <a:t>HU005:</a:t>
+            </a:r>
+            <a:r>
+              <a:rPr lang="es-PA" sz="1800">
+                <a:solidFill>
+                  <a:srgbClr val="FFFFFF"/>
+                </a:solidFill>
+              </a:rPr>
+              <a:t> Adjuntar imágenes intraorales y extraorales al informe post-tratamiento</a:t>
+            </a:r>
+            <a:endParaRPr sz="1800">
+              <a:solidFill>
+                <a:srgbClr val="FFFFFF"/>
+              </a:solidFill>
+            </a:endParaRPr>
+          </a:p>
+          <a:p>
+            <a:pPr indent="0" lvl="0" marL="0" rtl="0" algn="just">
+              <a:lnSpc>
+                <a:spcPct val="115000"/>
+              </a:lnSpc>
+              <a:spcBef>
+                <a:spcPts val="1000"/>
+              </a:spcBef>
+              <a:spcAft>
+                <a:spcPts val="0"/>
+              </a:spcAft>
+              <a:buNone/>
+            </a:pPr>
+            <a:r>
+              <a:rPr lang="es-PA" sz="1800">
+                <a:solidFill>
+                  <a:srgbClr val="FFFFFF"/>
+                </a:solidFill>
+              </a:rPr>
+              <a:t>Las siguientes tareas a realizar son las anteriores mencionadas, las cuales se encuentran desarrollando, ya que su fecha de inicio es del </a:t>
+            </a:r>
+            <a:r>
+              <a:rPr b="1" lang="es-PA" sz="1800">
+                <a:solidFill>
+                  <a:srgbClr val="FFFFFF"/>
+                </a:solidFill>
+              </a:rPr>
+              <a:t>09/05/2024</a:t>
+            </a:r>
+            <a:endParaRPr b="1" sz="1800">
+              <a:solidFill>
+                <a:srgbClr val="FFFFFF"/>
+              </a:solidFill>
+            </a:endParaRPr>
+          </a:p>
+          <a:p>
+            <a:pPr indent="0" lvl="0" marL="0" rtl="0" algn="l">
+              <a:spcBef>
+                <a:spcPts val="1000"/>
+              </a:spcBef>
+              <a:spcAft>
+                <a:spcPts val="0"/>
+              </a:spcAft>
+              <a:buNone/>
+            </a:pPr>
+            <a:r>
+              <a:t/>
+            </a:r>
+            <a:endParaRPr sz="1800">
+              <a:solidFill>
+                <a:srgbClr val="FFFFFF"/>
+              </a:solidFill>
               <a:highlight>
                 <a:srgbClr val="EE5818"/>
               </a:highlight>
@@ -19341,6 +19826,285 @@
 </file>
 
 <file path=ppt/theme/theme1.xml><?xml version="1.0" encoding="utf-8"?>
+<a:theme xmlns:a="http://schemas.openxmlformats.org/drawingml/2006/main" xmlns:r="http://schemas.openxmlformats.org/officeDocument/2006/relationships" name="Office Theme">
+  <a:themeElements>
+    <a:clrScheme name="Office">
+      <a:dk1>
+        <a:srgbClr val="000000"/>
+      </a:dk1>
+      <a:lt1>
+        <a:srgbClr val="FFFFFF"/>
+      </a:lt1>
+      <a:dk2>
+        <a:srgbClr val="44546A"/>
+      </a:dk2>
+      <a:lt2>
+        <a:srgbClr val="E7E6E6"/>
+      </a:lt2>
+      <a:accent1>
+        <a:srgbClr val="5B9BD5"/>
+      </a:accent1>
+      <a:accent2>
+        <a:srgbClr val="ED7D31"/>
+      </a:accent2>
+      <a:accent3>
+        <a:srgbClr val="A5A5A5"/>
+      </a:accent3>
+      <a:accent4>
+        <a:srgbClr val="FFC000"/>
+      </a:accent4>
+      <a:accent5>
+        <a:srgbClr val="4472C4"/>
+      </a:accent5>
+      <a:accent6>
+        <a:srgbClr val="70AD47"/>
+      </a:accent6>
+      <a:hlink>
+        <a:srgbClr val="0563C1"/>
+      </a:hlink>
+      <a:folHlink>
+        <a:srgbClr val="954F72"/>
+      </a:folHlink>
+    </a:clrScheme>
+    <a:fontScheme name="Office">
+      <a:majorFont>
+        <a:latin typeface="Arial"/>
+        <a:ea typeface=""/>
+        <a:cs typeface=""/>
+        <a:font script="Jpan" typeface="ＭＳ Ｐゴシック"/>
+        <a:font script="Hang" typeface="맑은 고딕"/>
+        <a:font script="Hans" typeface="宋体"/>
+        <a:font script="Hant" typeface="新細明體"/>
+        <a:font script="Arab" typeface="Times New Roman"/>
+        <a:font script="Hebr" typeface="Times New Roman"/>
+        <a:font script="Thai" typeface="Angsana New"/>
+        <a:font script="Ethi" typeface="Nyala"/>
+        <a:font script="Beng" typeface="Vrinda"/>
+        <a:font script="Gujr" typeface="Shruti"/>
+        <a:font script="Khmr" typeface="MoolBoran"/>
+        <a:font script="Knda" typeface="Tunga"/>
+        <a:font script="Guru" typeface="Raavi"/>
+        <a:font script="Cans" typeface="Euphemia"/>
+        <a:font script="Cher" typeface="Plantagenet Cherokee"/>
+        <a:font script="Yiii" typeface="Microsoft Yi Baiti"/>
+        <a:font script="Tibt" typeface="Microsoft Himalaya"/>
+        <a:font script="Thaa" typeface="MV Boli"/>
+        <a:font script="Deva" typeface="Mangal"/>
+        <a:font script="Telu" typeface="Gautami"/>
+        <a:font script="Taml" typeface="Latha"/>
+        <a:font script="Syrc" typeface="Estrangelo Edessa"/>
+        <a:font script="Orya" typeface="Kalinga"/>
+        <a:font script="Mlym" typeface="Kartika"/>
+        <a:font script="Laoo" typeface="DokChampa"/>
+        <a:font script="Sinh" typeface="Iskoola Pota"/>
+        <a:font script="Mong" typeface="Mongolian Baiti"/>
+        <a:font script="Viet" typeface="Times New Roman"/>
+        <a:font script="Uigh" typeface="Microsoft Uighur"/>
+        <a:font script="Geor" typeface="Sylfaen"/>
+      </a:majorFont>
+      <a:minorFont>
+        <a:latin typeface="Arial"/>
+        <a:ea typeface=""/>
+        <a:cs typeface=""/>
+        <a:font script="Jpan" typeface="ＭＳ Ｐゴシック"/>
+        <a:font script="Hang" typeface="맑은 고딕"/>
+        <a:font script="Hans" typeface="宋体"/>
+        <a:font script="Hant" typeface="新細明體"/>
+        <a:font script="Arab" typeface="Arial"/>
+        <a:font script="Hebr" typeface="Arial"/>
+        <a:font script="Thai" typeface="Cordia New"/>
+        <a:font script="Ethi" typeface="Nyala"/>
+        <a:font script="Beng" typeface="Vrinda"/>
+        <a:font script="Gujr" typeface="Shruti"/>
+        <a:font script="Khmr" typeface="DaunPenh"/>
+        <a:font script="Knda" typeface="Tunga"/>
+        <a:font script="Guru" typeface="Raavi"/>
+        <a:font script="Cans" typeface="Euphemia"/>
+        <a:font script="Cher" typeface="Plantagenet Cherokee"/>
+        <a:font script="Yiii" typeface="Microsoft Yi Baiti"/>
+        <a:font script="Tibt" typeface="Microsoft Himalaya"/>
+        <a:font script="Thaa" typeface="MV Boli"/>
+        <a:font script="Deva" typeface="Mangal"/>
+        <a:font script="Telu" typeface="Gautami"/>
+        <a:font script="Taml" typeface="Latha"/>
+        <a:font script="Syrc" typeface="Estrangelo Edessa"/>
+        <a:font script="Orya" typeface="Kalinga"/>
+        <a:font script="Mlym" typeface="Kartika"/>
+        <a:font script="Laoo" typeface="DokChampa"/>
+        <a:font script="Sinh" typeface="Iskoola Pota"/>
+        <a:font script="Mong" typeface="Mongolian Baiti"/>
+        <a:font script="Viet" typeface="Arial"/>
+        <a:font script="Uigh" typeface="Microsoft Uighur"/>
+        <a:font script="Geor" typeface="Sylfaen"/>
+      </a:minorFont>
+    </a:fontScheme>
+    <a:fmtScheme name="Office">
+      <a:fillStyleLst>
+        <a:solidFill>
+          <a:schemeClr val="phClr"/>
+        </a:solidFill>
+        <a:gradFill rotWithShape="1">
+          <a:gsLst>
+            <a:gs pos="0">
+              <a:schemeClr val="phClr">
+                <a:tint val="50000"/>
+                <a:satMod val="300000"/>
+              </a:schemeClr>
+            </a:gs>
+            <a:gs pos="35000">
+              <a:schemeClr val="phClr">
+                <a:tint val="37000"/>
+                <a:satMod val="300000"/>
+              </a:schemeClr>
+            </a:gs>
+            <a:gs pos="100000">
+              <a:schemeClr val="phClr">
+                <a:tint val="15000"/>
+                <a:satMod val="350000"/>
+              </a:schemeClr>
+            </a:gs>
+          </a:gsLst>
+          <a:lin ang="16200000" scaled="1"/>
+        </a:gradFill>
+        <a:gradFill rotWithShape="1">
+          <a:gsLst>
+            <a:gs pos="0">
+              <a:schemeClr val="phClr">
+                <a:tint val="100000"/>
+                <a:shade val="100000"/>
+                <a:satMod val="130000"/>
+              </a:schemeClr>
+            </a:gs>
+            <a:gs pos="100000">
+              <a:schemeClr val="phClr">
+                <a:tint val="50000"/>
+                <a:shade val="100000"/>
+                <a:satMod val="350000"/>
+              </a:schemeClr>
+            </a:gs>
+          </a:gsLst>
+          <a:lin ang="16200000" scaled="0"/>
+        </a:gradFill>
+      </a:fillStyleLst>
+      <a:lnStyleLst>
+        <a:ln w="9525" cap="flat" cmpd="sng" algn="ctr">
+          <a:solidFill>
+            <a:schemeClr val="phClr">
+              <a:shade val="95000"/>
+              <a:satMod val="105000"/>
+            </a:schemeClr>
+          </a:solidFill>
+          <a:prstDash val="solid"/>
+        </a:ln>
+        <a:ln w="25400" cap="flat" cmpd="sng" algn="ctr">
+          <a:solidFill>
+            <a:schemeClr val="phClr"/>
+          </a:solidFill>
+          <a:prstDash val="solid"/>
+        </a:ln>
+        <a:ln w="38100" cap="flat" cmpd="sng" algn="ctr">
+          <a:solidFill>
+            <a:schemeClr val="phClr"/>
+          </a:solidFill>
+          <a:prstDash val="solid"/>
+        </a:ln>
+      </a:lnStyleLst>
+      <a:effectStyleLst>
+        <a:effectStyle>
+          <a:effectLst>
+            <a:outerShdw blurRad="40000" dist="20000" dir="5400000" rotWithShape="0">
+              <a:srgbClr val="000000">
+                <a:alpha val="38000"/>
+              </a:srgbClr>
+            </a:outerShdw>
+          </a:effectLst>
+        </a:effectStyle>
+        <a:effectStyle>
+          <a:effectLst>
+            <a:outerShdw blurRad="40000" dist="23000" dir="5400000" rotWithShape="0">
+              <a:srgbClr val="000000">
+                <a:alpha val="35000"/>
+              </a:srgbClr>
+            </a:outerShdw>
+          </a:effectLst>
+        </a:effectStyle>
+        <a:effectStyle>
+          <a:effectLst>
+            <a:outerShdw blurRad="40000" dist="23000" dir="5400000" rotWithShape="0">
+              <a:srgbClr val="000000">
+                <a:alpha val="35000"/>
+              </a:srgbClr>
+            </a:outerShdw>
+          </a:effectLst>
+          <a:scene3d>
+            <a:camera prst="orthographicFront">
+              <a:rot lat="0" lon="0" rev="0"/>
+            </a:camera>
+            <a:lightRig rig="threePt" dir="t">
+              <a:rot lat="0" lon="0" rev="1200000"/>
+            </a:lightRig>
+          </a:scene3d>
+          <a:sp3d>
+            <a:bevelT w="63500" h="25400"/>
+          </a:sp3d>
+        </a:effectStyle>
+      </a:effectStyleLst>
+      <a:bgFillStyleLst>
+        <a:solidFill>
+          <a:schemeClr val="phClr"/>
+        </a:solidFill>
+        <a:gradFill rotWithShape="1">
+          <a:gsLst>
+            <a:gs pos="0">
+              <a:schemeClr val="phClr">
+                <a:tint val="40000"/>
+                <a:satMod val="350000"/>
+              </a:schemeClr>
+            </a:gs>
+            <a:gs pos="40000">
+              <a:schemeClr val="phClr">
+                <a:tint val="45000"/>
+                <a:shade val="99000"/>
+                <a:satMod val="350000"/>
+              </a:schemeClr>
+            </a:gs>
+            <a:gs pos="100000">
+              <a:schemeClr val="phClr">
+                <a:shade val="20000"/>
+                <a:satMod val="255000"/>
+              </a:schemeClr>
+            </a:gs>
+          </a:gsLst>
+          <a:path path="circle">
+            <a:fillToRect l="50000" t="-80000" r="50000" b="180000"/>
+          </a:path>
+        </a:gradFill>
+        <a:gradFill rotWithShape="1">
+          <a:gsLst>
+            <a:gs pos="0">
+              <a:schemeClr val="phClr">
+                <a:tint val="80000"/>
+                <a:satMod val="300000"/>
+              </a:schemeClr>
+            </a:gs>
+            <a:gs pos="100000">
+              <a:schemeClr val="phClr">
+                <a:shade val="30000"/>
+                <a:satMod val="200000"/>
+              </a:schemeClr>
+            </a:gs>
+          </a:gsLst>
+          <a:path path="circle">
+            <a:fillToRect l="50000" t="50000" r="50000" b="50000"/>
+          </a:path>
+        </a:gradFill>
+      </a:bgFillStyleLst>
+    </a:fmtScheme>
+  </a:themeElements>
+</a:theme>
+</file>
+
+<file path=ppt/theme/theme2.xml><?xml version="1.0" encoding="utf-8"?>
 <a:theme xmlns:a="http://schemas.openxmlformats.org/drawingml/2006/main" xmlns:r="http://schemas.openxmlformats.org/officeDocument/2006/relationships" name="Ion">
   <a:themeElements>
     <a:clrScheme name="Ion">
@@ -19617,283 +20381,4 @@
     </a:fmtScheme>
   </a:themeElements>
 </a:theme>
-</file>
-
-<file path=ppt/theme/theme2.xml><?xml version="1.0" encoding="utf-8"?>
-<a:theme xmlns:a="http://schemas.openxmlformats.org/drawingml/2006/main" xmlns:r="http://schemas.openxmlformats.org/officeDocument/2006/relationships" name="Office Theme">
-  <a:themeElements>
-    <a:clrScheme name="Office">
-      <a:dk1>
-        <a:srgbClr val="000000"/>
-      </a:dk1>
-      <a:lt1>
-        <a:srgbClr val="FFFFFF"/>
-      </a:lt1>
-      <a:dk2>
-        <a:srgbClr val="44546A"/>
-      </a:dk2>
-      <a:lt2>
-        <a:srgbClr val="E7E6E6"/>
-      </a:lt2>
-      <a:accent1>
-        <a:srgbClr val="5B9BD5"/>
-      </a:accent1>
-      <a:accent2>
-        <a:srgbClr val="ED7D31"/>
-      </a:accent2>
-      <a:accent3>
-        <a:srgbClr val="A5A5A5"/>
-      </a:accent3>
-      <a:accent4>
-        <a:srgbClr val="FFC000"/>
-      </a:accent4>
-      <a:accent5>
-        <a:srgbClr val="4472C4"/>
-      </a:accent5>
-      <a:accent6>
-        <a:srgbClr val="70AD47"/>
-      </a:accent6>
-      <a:hlink>
-        <a:srgbClr val="0563C1"/>
-      </a:hlink>
-      <a:folHlink>
-        <a:srgbClr val="954F72"/>
-      </a:folHlink>
-    </a:clrScheme>
-    <a:fontScheme name="Office">
-      <a:majorFont>
-        <a:latin typeface="Arial"/>
-        <a:ea typeface=""/>
-        <a:cs typeface=""/>
-        <a:font script="Jpan" typeface="ＭＳ Ｐゴシック"/>
-        <a:font script="Hang" typeface="맑은 고딕"/>
-        <a:font script="Hans" typeface="宋体"/>
-        <a:font script="Hant" typeface="新細明體"/>
-        <a:font script="Arab" typeface="Times New Roman"/>
-        <a:font script="Hebr" typeface="Times New Roman"/>
-        <a:font script="Thai" typeface="Angsana New"/>
-        <a:font script="Ethi" typeface="Nyala"/>
-        <a:font script="Beng" typeface="Vrinda"/>
-        <a:font script="Gujr" typeface="Shruti"/>
-        <a:font script="Khmr" typeface="MoolBoran"/>
-        <a:font script="Knda" typeface="Tunga"/>
-        <a:font script="Guru" typeface="Raavi"/>
-        <a:font script="Cans" typeface="Euphemia"/>
-        <a:font script="Cher" typeface="Plantagenet Cherokee"/>
-        <a:font script="Yiii" typeface="Microsoft Yi Baiti"/>
-        <a:font script="Tibt" typeface="Microsoft Himalaya"/>
-        <a:font script="Thaa" typeface="MV Boli"/>
-        <a:font script="Deva" typeface="Mangal"/>
-        <a:font script="Telu" typeface="Gautami"/>
-        <a:font script="Taml" typeface="Latha"/>
-        <a:font script="Syrc" typeface="Estrangelo Edessa"/>
-        <a:font script="Orya" typeface="Kalinga"/>
-        <a:font script="Mlym" typeface="Kartika"/>
-        <a:font script="Laoo" typeface="DokChampa"/>
-        <a:font script="Sinh" typeface="Iskoola Pota"/>
-        <a:font script="Mong" typeface="Mongolian Baiti"/>
-        <a:font script="Viet" typeface="Times New Roman"/>
-        <a:font script="Uigh" typeface="Microsoft Uighur"/>
-        <a:font script="Geor" typeface="Sylfaen"/>
-      </a:majorFont>
-      <a:minorFont>
-        <a:latin typeface="Arial"/>
-        <a:ea typeface=""/>
-        <a:cs typeface=""/>
-        <a:font script="Jpan" typeface="ＭＳ Ｐゴシック"/>
-        <a:font script="Hang" typeface="맑은 고딕"/>
-        <a:font script="Hans" typeface="宋体"/>
-        <a:font script="Hant" typeface="新細明體"/>
-        <a:font script="Arab" typeface="Arial"/>
-        <a:font script="Hebr" typeface="Arial"/>
-        <a:font script="Thai" typeface="Cordia New"/>
-        <a:font script="Ethi" typeface="Nyala"/>
-        <a:font script="Beng" typeface="Vrinda"/>
-        <a:font script="Gujr" typeface="Shruti"/>
-        <a:font script="Khmr" typeface="DaunPenh"/>
-        <a:font script="Knda" typeface="Tunga"/>
-        <a:font script="Guru" typeface="Raavi"/>
-        <a:font script="Cans" typeface="Euphemia"/>
-        <a:font script="Cher" typeface="Plantagenet Cherokee"/>
-        <a:font script="Yiii" typeface="Microsoft Yi Baiti"/>
-        <a:font script="Tibt" typeface="Microsoft Himalaya"/>
-        <a:font script="Thaa" typeface="MV Boli"/>
-        <a:font script="Deva" typeface="Mangal"/>
-        <a:font script="Telu" typeface="Gautami"/>
-        <a:font script="Taml" typeface="Latha"/>
-        <a:font script="Syrc" typeface="Estrangelo Edessa"/>
-        <a:font script="Orya" typeface="Kalinga"/>
-        <a:font script="Mlym" typeface="Kartika"/>
-        <a:font script="Laoo" typeface="DokChampa"/>
-        <a:font script="Sinh" typeface="Iskoola Pota"/>
-        <a:font script="Mong" typeface="Mongolian Baiti"/>
-        <a:font script="Viet" typeface="Arial"/>
-        <a:font script="Uigh" typeface="Microsoft Uighur"/>
-        <a:font script="Geor" typeface="Sylfaen"/>
-      </a:minorFont>
-    </a:fontScheme>
-    <a:fmtScheme name="Office">
-      <a:fillStyleLst>
-        <a:solidFill>
-          <a:schemeClr val="phClr"/>
-        </a:solidFill>
-        <a:gradFill rotWithShape="1">
-          <a:gsLst>
-            <a:gs pos="0">
-              <a:schemeClr val="phClr">
-                <a:tint val="50000"/>
-                <a:satMod val="300000"/>
-              </a:schemeClr>
-            </a:gs>
-            <a:gs pos="35000">
-              <a:schemeClr val="phClr">
-                <a:tint val="37000"/>
-                <a:satMod val="300000"/>
-              </a:schemeClr>
-            </a:gs>
-            <a:gs pos="100000">
-              <a:schemeClr val="phClr">
-                <a:tint val="15000"/>
-                <a:satMod val="350000"/>
-              </a:schemeClr>
-            </a:gs>
-          </a:gsLst>
-          <a:lin ang="16200000" scaled="1"/>
-        </a:gradFill>
-        <a:gradFill rotWithShape="1">
-          <a:gsLst>
-            <a:gs pos="0">
-              <a:schemeClr val="phClr">
-                <a:tint val="100000"/>
-                <a:shade val="100000"/>
-                <a:satMod val="130000"/>
-              </a:schemeClr>
-            </a:gs>
-            <a:gs pos="100000">
-              <a:schemeClr val="phClr">
-                <a:tint val="50000"/>
-                <a:shade val="100000"/>
-                <a:satMod val="350000"/>
-              </a:schemeClr>
-            </a:gs>
-          </a:gsLst>
-          <a:lin ang="16200000" scaled="0"/>
-        </a:gradFill>
-      </a:fillStyleLst>
-      <a:lnStyleLst>
-        <a:ln w="9525" cap="flat" cmpd="sng" algn="ctr">
-          <a:solidFill>
-            <a:schemeClr val="phClr">
-              <a:shade val="95000"/>
-              <a:satMod val="105000"/>
-            </a:schemeClr>
-          </a:solidFill>
-          <a:prstDash val="solid"/>
-        </a:ln>
-        <a:ln w="25400" cap="flat" cmpd="sng" algn="ctr">
-          <a:solidFill>
-            <a:schemeClr val="phClr"/>
-          </a:solidFill>
-          <a:prstDash val="solid"/>
-        </a:ln>
-        <a:ln w="38100" cap="flat" cmpd="sng" algn="ctr">
-          <a:solidFill>
-            <a:schemeClr val="phClr"/>
-          </a:solidFill>
-          <a:prstDash val="solid"/>
-        </a:ln>
-      </a:lnStyleLst>
-      <a:effectStyleLst>
-        <a:effectStyle>
-          <a:effectLst>
-            <a:outerShdw blurRad="40000" dist="20000" dir="5400000" rotWithShape="0">
-              <a:srgbClr val="000000">
-                <a:alpha val="38000"/>
-              </a:srgbClr>
-            </a:outerShdw>
-          </a:effectLst>
-        </a:effectStyle>
-        <a:effectStyle>
-          <a:effectLst>
-            <a:outerShdw blurRad="40000" dist="23000" dir="5400000" rotWithShape="0">
-              <a:srgbClr val="000000">
-                <a:alpha val="35000"/>
-              </a:srgbClr>
-            </a:outerShdw>
-          </a:effectLst>
-        </a:effectStyle>
-        <a:effectStyle>
-          <a:effectLst>
-            <a:outerShdw blurRad="40000" dist="23000" dir="5400000" rotWithShape="0">
-              <a:srgbClr val="000000">
-                <a:alpha val="35000"/>
-              </a:srgbClr>
-            </a:outerShdw>
-          </a:effectLst>
-          <a:scene3d>
-            <a:camera prst="orthographicFront">
-              <a:rot lat="0" lon="0" rev="0"/>
-            </a:camera>
-            <a:lightRig rig="threePt" dir="t">
-              <a:rot lat="0" lon="0" rev="1200000"/>
-            </a:lightRig>
-          </a:scene3d>
-          <a:sp3d>
-            <a:bevelT w="63500" h="25400"/>
-          </a:sp3d>
-        </a:effectStyle>
-      </a:effectStyleLst>
-      <a:bgFillStyleLst>
-        <a:solidFill>
-          <a:schemeClr val="phClr"/>
-        </a:solidFill>
-        <a:gradFill rotWithShape="1">
-          <a:gsLst>
-            <a:gs pos="0">
-              <a:schemeClr val="phClr">
-                <a:tint val="40000"/>
-                <a:satMod val="350000"/>
-              </a:schemeClr>
-            </a:gs>
-            <a:gs pos="40000">
-              <a:schemeClr val="phClr">
-                <a:tint val="45000"/>
-                <a:shade val="99000"/>
-                <a:satMod val="350000"/>
-              </a:schemeClr>
-            </a:gs>
-            <a:gs pos="100000">
-              <a:schemeClr val="phClr">
-                <a:shade val="20000"/>
-                <a:satMod val="255000"/>
-              </a:schemeClr>
-            </a:gs>
-          </a:gsLst>
-          <a:path path="circle">
-            <a:fillToRect l="50000" t="-80000" r="50000" b="180000"/>
-          </a:path>
-        </a:gradFill>
-        <a:gradFill rotWithShape="1">
-          <a:gsLst>
-            <a:gs pos="0">
-              <a:schemeClr val="phClr">
-                <a:tint val="80000"/>
-                <a:satMod val="300000"/>
-              </a:schemeClr>
-            </a:gs>
-            <a:gs pos="100000">
-              <a:schemeClr val="phClr">
-                <a:shade val="30000"/>
-                <a:satMod val="200000"/>
-              </a:schemeClr>
-            </a:gs>
-          </a:gsLst>
-          <a:path path="circle">
-            <a:fillToRect l="50000" t="50000" r="50000" b="50000"/>
-          </a:path>
-        </a:gradFill>
-      </a:bgFillStyleLst>
-    </a:fmtScheme>
-  </a:themeElements>
-</a:theme>
 </file>